--- a/Agro Cane/Arquitetura Computacional/Modelo de Custo/Modelo de Custo.pptx
+++ b/Agro Cane/Arquitetura Computacional/Modelo de Custo/Modelo de Custo.pptx
@@ -113,6 +113,35 @@
     </p:ext>
   </p:extLst>
 </p:presentation>
+</file>
+
+<file path=ppt/changesInfos/changesInfo1.xml><?xml version="1.0" encoding="utf-8"?>
+<pc:chgInfo xmlns:a="http://schemas.openxmlformats.org/drawingml/2006/main" xmlns:r="http://schemas.openxmlformats.org/officeDocument/2006/relationships" xmlns:ac="http://schemas.microsoft.com/office/drawing/2013/main/command" xmlns:pc="http://schemas.microsoft.com/office/powerpoint/2013/main/command">
+  <pc:docChgLst>
+    <pc:chgData name="Mateus Ferreira" userId="1d8f5d9bad536c26" providerId="LiveId" clId="{A01BC909-9112-46D8-9D88-467CABDDA757}"/>
+    <pc:docChg chg="modSld">
+      <pc:chgData name="Mateus Ferreira" userId="1d8f5d9bad536c26" providerId="LiveId" clId="{A01BC909-9112-46D8-9D88-467CABDDA757}" dt="2021-05-26T02:14:13.618" v="1" actId="20577"/>
+      <pc:docMkLst>
+        <pc:docMk/>
+      </pc:docMkLst>
+      <pc:sldChg chg="modSp mod">
+        <pc:chgData name="Mateus Ferreira" userId="1d8f5d9bad536c26" providerId="LiveId" clId="{A01BC909-9112-46D8-9D88-467CABDDA757}" dt="2021-05-26T02:14:13.618" v="1" actId="20577"/>
+        <pc:sldMkLst>
+          <pc:docMk/>
+          <pc:sldMk cId="2523094152" sldId="259"/>
+        </pc:sldMkLst>
+        <pc:spChg chg="mod">
+          <ac:chgData name="Mateus Ferreira" userId="1d8f5d9bad536c26" providerId="LiveId" clId="{A01BC909-9112-46D8-9D88-467CABDDA757}" dt="2021-05-26T02:14:13.618" v="1" actId="20577"/>
+          <ac:spMkLst>
+            <pc:docMk/>
+            <pc:sldMk cId="2523094152" sldId="259"/>
+            <ac:spMk id="6" creationId="{B5C4FEBE-8306-4927-9C31-FEA81BF7E8FC}"/>
+          </ac:spMkLst>
+        </pc:spChg>
+      </pc:sldChg>
+    </pc:docChg>
+  </pc:docChgLst>
+</pc:chgInfo>
 </file>
 
 <file path=ppt/slideLayouts/slideLayout1.xml><?xml version="1.0" encoding="utf-8"?>
@@ -7710,31 +7739,22 @@
               <a:t>Viniçius</a:t>
             </a:r>
             <a:r>
+              <a:rPr lang="pt-BR" sz="2400" b="1">
+                <a:solidFill>
+                  <a:srgbClr val="EDE9A2"/>
+                </a:solidFill>
+                <a:latin typeface="Arial Rounded MT Bold" panose="020F0704030504030204" pitchFamily="34" charset="0"/>
+              </a:rPr>
+              <a:t> Lourenço </a:t>
+            </a:r>
+            <a:r>
               <a:rPr lang="pt-BR" sz="2400" b="1" dirty="0">
                 <a:solidFill>
                   <a:srgbClr val="EDE9A2"/>
                 </a:solidFill>
                 <a:latin typeface="Arial Rounded MT Bold" panose="020F0704030504030204" pitchFamily="34" charset="0"/>
               </a:rPr>
-              <a:t> </a:t>
-            </a:r>
-            <a:r>
-              <a:rPr lang="pt-BR" sz="2400" b="1" dirty="0" err="1">
-                <a:solidFill>
-                  <a:srgbClr val="EDE9A2"/>
-                </a:solidFill>
-                <a:latin typeface="Arial Rounded MT Bold" panose="020F0704030504030204" pitchFamily="34" charset="0"/>
-              </a:rPr>
-              <a:t>Lourença</a:t>
-            </a:r>
-            <a:r>
-              <a:rPr lang="pt-BR" sz="2400" b="1" dirty="0">
-                <a:solidFill>
-                  <a:srgbClr val="EDE9A2"/>
-                </a:solidFill>
-                <a:latin typeface="Arial Rounded MT Bold" panose="020F0704030504030204" pitchFamily="34" charset="0"/>
-              </a:rPr>
-              <a:t> Ferreira</a:t>
+              <a:t>Ferreira</a:t>
             </a:r>
           </a:p>
           <a:p>
